--- a/plots/fig1.pptx
+++ b/plots/fig1.pptx
@@ -259,7 +259,7 @@
           <a:p>
             <a:fld id="{CD874F49-FEBB-FF42-B278-30C4F47372F7}" type="datetimeFigureOut">
               <a:rPr lang="de-DE" smtClean="0"/>
-              <a:t>23.05.25</a:t>
+              <a:t>26.05.25</a:t>
             </a:fld>
             <a:endParaRPr lang="de-DE"/>
           </a:p>
@@ -457,7 +457,7 @@
           <a:p>
             <a:fld id="{CD874F49-FEBB-FF42-B278-30C4F47372F7}" type="datetimeFigureOut">
               <a:rPr lang="de-DE" smtClean="0"/>
-              <a:t>23.05.25</a:t>
+              <a:t>26.05.25</a:t>
             </a:fld>
             <a:endParaRPr lang="de-DE"/>
           </a:p>
@@ -665,7 +665,7 @@
           <a:p>
             <a:fld id="{CD874F49-FEBB-FF42-B278-30C4F47372F7}" type="datetimeFigureOut">
               <a:rPr lang="de-DE" smtClean="0"/>
-              <a:t>23.05.25</a:t>
+              <a:t>26.05.25</a:t>
             </a:fld>
             <a:endParaRPr lang="de-DE"/>
           </a:p>
@@ -863,7 +863,7 @@
           <a:p>
             <a:fld id="{CD874F49-FEBB-FF42-B278-30C4F47372F7}" type="datetimeFigureOut">
               <a:rPr lang="de-DE" smtClean="0"/>
-              <a:t>23.05.25</a:t>
+              <a:t>26.05.25</a:t>
             </a:fld>
             <a:endParaRPr lang="de-DE"/>
           </a:p>
@@ -1138,7 +1138,7 @@
           <a:p>
             <a:fld id="{CD874F49-FEBB-FF42-B278-30C4F47372F7}" type="datetimeFigureOut">
               <a:rPr lang="de-DE" smtClean="0"/>
-              <a:t>23.05.25</a:t>
+              <a:t>26.05.25</a:t>
             </a:fld>
             <a:endParaRPr lang="de-DE"/>
           </a:p>
@@ -1403,7 +1403,7 @@
           <a:p>
             <a:fld id="{CD874F49-FEBB-FF42-B278-30C4F47372F7}" type="datetimeFigureOut">
               <a:rPr lang="de-DE" smtClean="0"/>
-              <a:t>23.05.25</a:t>
+              <a:t>26.05.25</a:t>
             </a:fld>
             <a:endParaRPr lang="de-DE"/>
           </a:p>
@@ -1815,7 +1815,7 @@
           <a:p>
             <a:fld id="{CD874F49-FEBB-FF42-B278-30C4F47372F7}" type="datetimeFigureOut">
               <a:rPr lang="de-DE" smtClean="0"/>
-              <a:t>23.05.25</a:t>
+              <a:t>26.05.25</a:t>
             </a:fld>
             <a:endParaRPr lang="de-DE"/>
           </a:p>
@@ -1956,7 +1956,7 @@
           <a:p>
             <a:fld id="{CD874F49-FEBB-FF42-B278-30C4F47372F7}" type="datetimeFigureOut">
               <a:rPr lang="de-DE" smtClean="0"/>
-              <a:t>23.05.25</a:t>
+              <a:t>26.05.25</a:t>
             </a:fld>
             <a:endParaRPr lang="de-DE"/>
           </a:p>
@@ -2069,7 +2069,7 @@
           <a:p>
             <a:fld id="{CD874F49-FEBB-FF42-B278-30C4F47372F7}" type="datetimeFigureOut">
               <a:rPr lang="de-DE" smtClean="0"/>
-              <a:t>23.05.25</a:t>
+              <a:t>26.05.25</a:t>
             </a:fld>
             <a:endParaRPr lang="de-DE"/>
           </a:p>
@@ -2380,7 +2380,7 @@
           <a:p>
             <a:fld id="{CD874F49-FEBB-FF42-B278-30C4F47372F7}" type="datetimeFigureOut">
               <a:rPr lang="de-DE" smtClean="0"/>
-              <a:t>23.05.25</a:t>
+              <a:t>26.05.25</a:t>
             </a:fld>
             <a:endParaRPr lang="de-DE"/>
           </a:p>
@@ -2668,7 +2668,7 @@
           <a:p>
             <a:fld id="{CD874F49-FEBB-FF42-B278-30C4F47372F7}" type="datetimeFigureOut">
               <a:rPr lang="de-DE" smtClean="0"/>
-              <a:t>23.05.25</a:t>
+              <a:t>26.05.25</a:t>
             </a:fld>
             <a:endParaRPr lang="de-DE"/>
           </a:p>
@@ -2909,7 +2909,7 @@
           <a:p>
             <a:fld id="{CD874F49-FEBB-FF42-B278-30C4F47372F7}" type="datetimeFigureOut">
               <a:rPr lang="de-DE" smtClean="0"/>
-              <a:t>23.05.25</a:t>
+              <a:t>26.05.25</a:t>
             </a:fld>
             <a:endParaRPr lang="de-DE"/>
           </a:p>
@@ -3348,7 +3348,7 @@
         <p:spPr>
           <a:xfrm>
             <a:off x="697523" y="712177"/>
-            <a:ext cx="5641730" cy="4231298"/>
+            <a:ext cx="5641730" cy="4231297"/>
           </a:xfrm>
           <a:prstGeom prst="rect">
             <a:avLst/>
@@ -3623,7 +3623,7 @@
         <p:spPr>
           <a:xfrm>
             <a:off x="4032542" y="2169042"/>
-            <a:ext cx="2533395" cy="477054"/>
+            <a:ext cx="2488179" cy="646331"/>
           </a:xfrm>
           <a:prstGeom prst="rect">
             <a:avLst/>
@@ -3673,7 +3673,27 @@
                 <a:latin typeface="Helvetica" pitchFamily="2" charset="0"/>
                 <a:cs typeface="Consolas" panose="020B0609020204030204" pitchFamily="49" charset="0"/>
               </a:rPr>
-              <a:t> </a:t>
+              <a:t> (e.g., </a:t>
+            </a:r>
+            <a:r>
+              <a:rPr lang="de-DE" sz="1100" dirty="0" err="1">
+                <a:solidFill>
+                  <a:srgbClr val="BBBBBB"/>
+                </a:solidFill>
+                <a:latin typeface="Helvetica" pitchFamily="2" charset="0"/>
+                <a:cs typeface="Consolas" panose="020B0609020204030204" pitchFamily="49" charset="0"/>
+              </a:rPr>
+              <a:t>difference</a:t>
+            </a:r>
+            <a:r>
+              <a:rPr lang="de-DE" sz="1100" dirty="0">
+                <a:solidFill>
+                  <a:srgbClr val="BBBBBB"/>
+                </a:solidFill>
+                <a:latin typeface="Helvetica" pitchFamily="2" charset="0"/>
+                <a:cs typeface="Consolas" panose="020B0609020204030204" pitchFamily="49" charset="0"/>
+              </a:rPr>
+              <a:t>) </a:t>
             </a:r>
             <a:r>
               <a:rPr lang="de-DE" sz="1100" dirty="0" err="1">
@@ -3684,26 +3704,6 @@
                 <a:cs typeface="Consolas" panose="020B0609020204030204" pitchFamily="49" charset="0"/>
               </a:rPr>
               <a:t>between</a:t>
-            </a:r>
-            <a:r>
-              <a:rPr lang="de-DE" sz="1100" dirty="0">
-                <a:solidFill>
-                  <a:srgbClr val="BBBBBB"/>
-                </a:solidFill>
-                <a:latin typeface="Helvetica" pitchFamily="2" charset="0"/>
-                <a:cs typeface="Consolas" panose="020B0609020204030204" pitchFamily="49" charset="0"/>
-              </a:rPr>
-              <a:t> </a:t>
-            </a:r>
-            <a:r>
-              <a:rPr lang="de-DE" sz="1100" dirty="0" err="1">
-                <a:solidFill>
-                  <a:srgbClr val="BBBBBB"/>
-                </a:solidFill>
-                <a:latin typeface="Helvetica" pitchFamily="2" charset="0"/>
-                <a:cs typeface="Consolas" panose="020B0609020204030204" pitchFamily="49" charset="0"/>
-              </a:rPr>
-              <a:t>two</a:t>
             </a:r>
             <a:r>
               <a:rPr lang="de-DE" sz="1100" dirty="0">
@@ -3891,9 +3891,9 @@
           <p:nvPr/>
         </p:nvCxnSpPr>
         <p:spPr>
-          <a:xfrm flipH="1">
+          <a:xfrm flipH="1" flipV="1">
             <a:off x="3848986" y="2407569"/>
-            <a:ext cx="183556" cy="0"/>
+            <a:ext cx="183556" cy="84639"/>
           </a:xfrm>
           <a:prstGeom prst="line">
             <a:avLst/>
